--- a/Brazil/Result/Presentation1.pptx
+++ b/Brazil/Result/Presentation1.pptx
@@ -8,6 +8,7 @@
     <p:sldId id="256" r:id="rId2"/>
     <p:sldId id="257" r:id="rId3"/>
     <p:sldId id="258" r:id="rId4"/>
+    <p:sldId id="259" r:id="rId5"/>
   </p:sldIdLst>
   <p:sldSz cx="12192000" cy="6858000"/>
   <p:notesSz cx="6858000" cy="9144000"/>
@@ -106,6 +107,11 @@
       </a:defRPr>
     </a:lvl9pPr>
   </p:defaultTextStyle>
+  <p:extLst>
+    <p:ext uri="{EFAFB233-063F-42B5-8137-9DF3F51BA10A}">
+      <p15:sldGuideLst xmlns:p15="http://schemas.microsoft.com/office/powerpoint/2012/main"/>
+    </p:ext>
+  </p:extLst>
 </p:presentation>
 </file>
 
@@ -240,7 +246,7 @@
           <a:p>
             <a:fld id="{A307050A-0377-40F2-A8E3-1F17B3CA9F1D}" type="datetimeFigureOut">
               <a:rPr lang="en-US" smtClean="0"/>
-              <a:t>3/18/2020</a:t>
+              <a:t>3/19/2020</a:t>
             </a:fld>
             <a:endParaRPr lang="en-US"/>
           </a:p>
@@ -410,7 +416,7 @@
           <a:p>
             <a:fld id="{A307050A-0377-40F2-A8E3-1F17B3CA9F1D}" type="datetimeFigureOut">
               <a:rPr lang="en-US" smtClean="0"/>
-              <a:t>3/18/2020</a:t>
+              <a:t>3/19/2020</a:t>
             </a:fld>
             <a:endParaRPr lang="en-US"/>
           </a:p>
@@ -590,7 +596,7 @@
           <a:p>
             <a:fld id="{A307050A-0377-40F2-A8E3-1F17B3CA9F1D}" type="datetimeFigureOut">
               <a:rPr lang="en-US" smtClean="0"/>
-              <a:t>3/18/2020</a:t>
+              <a:t>3/19/2020</a:t>
             </a:fld>
             <a:endParaRPr lang="en-US"/>
           </a:p>
@@ -760,7 +766,7 @@
           <a:p>
             <a:fld id="{A307050A-0377-40F2-A8E3-1F17B3CA9F1D}" type="datetimeFigureOut">
               <a:rPr lang="en-US" smtClean="0"/>
-              <a:t>3/18/2020</a:t>
+              <a:t>3/19/2020</a:t>
             </a:fld>
             <a:endParaRPr lang="en-US"/>
           </a:p>
@@ -1006,7 +1012,7 @@
           <a:p>
             <a:fld id="{A307050A-0377-40F2-A8E3-1F17B3CA9F1D}" type="datetimeFigureOut">
               <a:rPr lang="en-US" smtClean="0"/>
-              <a:t>3/18/2020</a:t>
+              <a:t>3/19/2020</a:t>
             </a:fld>
             <a:endParaRPr lang="en-US"/>
           </a:p>
@@ -1238,7 +1244,7 @@
           <a:p>
             <a:fld id="{A307050A-0377-40F2-A8E3-1F17B3CA9F1D}" type="datetimeFigureOut">
               <a:rPr lang="en-US" smtClean="0"/>
-              <a:t>3/18/2020</a:t>
+              <a:t>3/19/2020</a:t>
             </a:fld>
             <a:endParaRPr lang="en-US"/>
           </a:p>
@@ -1605,7 +1611,7 @@
           <a:p>
             <a:fld id="{A307050A-0377-40F2-A8E3-1F17B3CA9F1D}" type="datetimeFigureOut">
               <a:rPr lang="en-US" smtClean="0"/>
-              <a:t>3/18/2020</a:t>
+              <a:t>3/19/2020</a:t>
             </a:fld>
             <a:endParaRPr lang="en-US"/>
           </a:p>
@@ -1723,7 +1729,7 @@
           <a:p>
             <a:fld id="{A307050A-0377-40F2-A8E3-1F17B3CA9F1D}" type="datetimeFigureOut">
               <a:rPr lang="en-US" smtClean="0"/>
-              <a:t>3/18/2020</a:t>
+              <a:t>3/19/2020</a:t>
             </a:fld>
             <a:endParaRPr lang="en-US"/>
           </a:p>
@@ -1818,7 +1824,7 @@
           <a:p>
             <a:fld id="{A307050A-0377-40F2-A8E3-1F17B3CA9F1D}" type="datetimeFigureOut">
               <a:rPr lang="en-US" smtClean="0"/>
-              <a:t>3/18/2020</a:t>
+              <a:t>3/19/2020</a:t>
             </a:fld>
             <a:endParaRPr lang="en-US"/>
           </a:p>
@@ -2095,7 +2101,7 @@
           <a:p>
             <a:fld id="{A307050A-0377-40F2-A8E3-1F17B3CA9F1D}" type="datetimeFigureOut">
               <a:rPr lang="en-US" smtClean="0"/>
-              <a:t>3/18/2020</a:t>
+              <a:t>3/19/2020</a:t>
             </a:fld>
             <a:endParaRPr lang="en-US"/>
           </a:p>
@@ -2348,7 +2354,7 @@
           <a:p>
             <a:fld id="{A307050A-0377-40F2-A8E3-1F17B3CA9F1D}" type="datetimeFigureOut">
               <a:rPr lang="en-US" smtClean="0"/>
-              <a:t>3/18/2020</a:t>
+              <a:t>3/19/2020</a:t>
             </a:fld>
             <a:endParaRPr lang="en-US"/>
           </a:p>
@@ -2561,7 +2567,7 @@
           <a:p>
             <a:fld id="{A307050A-0377-40F2-A8E3-1F17B3CA9F1D}" type="datetimeFigureOut">
               <a:rPr lang="en-US" smtClean="0"/>
-              <a:t>3/18/2020</a:t>
+              <a:t>3/19/2020</a:t>
             </a:fld>
             <a:endParaRPr lang="en-US"/>
           </a:p>
@@ -3303,6 +3309,182 @@
 </p:sld>
 </file>
 
+<file path=ppt/slides/slide4.xml><?xml version="1.0" encoding="utf-8"?>
+<p:sld xmlns:a="http://schemas.openxmlformats.org/drawingml/2006/main" xmlns:r="http://schemas.openxmlformats.org/officeDocument/2006/relationships" xmlns:p="http://schemas.openxmlformats.org/presentationml/2006/main">
+  <p:cSld>
+    <p:spTree>
+      <p:nvGrpSpPr>
+        <p:cNvPr id="1" name=""/>
+        <p:cNvGrpSpPr/>
+        <p:nvPr/>
+      </p:nvGrpSpPr>
+      <p:grpSpPr>
+        <a:xfrm>
+          <a:off x="0" y="0"/>
+          <a:ext cx="0" cy="0"/>
+          <a:chOff x="0" y="0"/>
+          <a:chExt cx="0" cy="0"/>
+        </a:xfrm>
+      </p:grpSpPr>
+      <p:sp>
+        <p:nvSpPr>
+          <p:cNvPr id="2" name="Title 1"/>
+          <p:cNvSpPr>
+            <a:spLocks noGrp="1"/>
+          </p:cNvSpPr>
+          <p:nvPr>
+            <p:ph type="title"/>
+          </p:nvPr>
+        </p:nvSpPr>
+        <p:spPr/>
+        <p:txBody>
+          <a:bodyPr/>
+          <a:lstStyle/>
+          <a:p>
+            <a:endParaRPr lang="en-US"/>
+          </a:p>
+        </p:txBody>
+      </p:sp>
+      <p:sp>
+        <p:nvSpPr>
+          <p:cNvPr id="3" name="Content Placeholder 2"/>
+          <p:cNvSpPr>
+            <a:spLocks noGrp="1"/>
+          </p:cNvSpPr>
+          <p:nvPr>
+            <p:ph idx="1"/>
+          </p:nvPr>
+        </p:nvSpPr>
+        <p:spPr/>
+        <p:txBody>
+          <a:bodyPr/>
+          <a:lstStyle/>
+          <a:p>
+            <a:endParaRPr lang="en-US" dirty="0"/>
+          </a:p>
+        </p:txBody>
+      </p:sp>
+      <p:pic>
+        <p:nvPicPr>
+          <p:cNvPr id="4" name="Picture 3"/>
+          <p:cNvPicPr>
+            <a:picLocks noChangeAspect="1"/>
+          </p:cNvPicPr>
+          <p:nvPr/>
+        </p:nvPicPr>
+        <p:blipFill>
+          <a:blip r:embed="rId2"/>
+          <a:stretch>
+            <a:fillRect/>
+          </a:stretch>
+        </p:blipFill>
+        <p:spPr>
+          <a:xfrm>
+            <a:off x="6421483" y="2995612"/>
+            <a:ext cx="5410200" cy="3152775"/>
+          </a:xfrm>
+          <a:prstGeom prst="rect">
+            <a:avLst/>
+          </a:prstGeom>
+        </p:spPr>
+      </p:pic>
+      <p:pic>
+        <p:nvPicPr>
+          <p:cNvPr id="5" name="Picture 4"/>
+          <p:cNvPicPr>
+            <a:picLocks noChangeAspect="1"/>
+          </p:cNvPicPr>
+          <p:nvPr/>
+        </p:nvPicPr>
+        <p:blipFill>
+          <a:blip r:embed="rId3"/>
+          <a:stretch>
+            <a:fillRect/>
+          </a:stretch>
+        </p:blipFill>
+        <p:spPr>
+          <a:xfrm>
+            <a:off x="838200" y="2967038"/>
+            <a:ext cx="5410200" cy="3209925"/>
+          </a:xfrm>
+          <a:prstGeom prst="rect">
+            <a:avLst/>
+          </a:prstGeom>
+        </p:spPr>
+      </p:pic>
+      <p:sp>
+        <p:nvSpPr>
+          <p:cNvPr id="6" name="TextBox 5"/>
+          <p:cNvSpPr txBox="1"/>
+          <p:nvPr/>
+        </p:nvSpPr>
+        <p:spPr>
+          <a:xfrm>
+            <a:off x="3543300" y="2345572"/>
+            <a:ext cx="479618" cy="369332"/>
+          </a:xfrm>
+          <a:prstGeom prst="rect">
+            <a:avLst/>
+          </a:prstGeom>
+          <a:noFill/>
+        </p:spPr>
+        <p:txBody>
+          <a:bodyPr wrap="none" rtlCol="0">
+            <a:spAutoFit/>
+          </a:bodyPr>
+          <a:lstStyle/>
+          <a:p>
+            <a:r>
+              <a:rPr lang="en-US" dirty="0" smtClean="0"/>
+              <a:t>VIF</a:t>
+            </a:r>
+            <a:endParaRPr lang="en-US" dirty="0"/>
+          </a:p>
+        </p:txBody>
+      </p:sp>
+      <p:sp>
+        <p:nvSpPr>
+          <p:cNvPr id="9" name="TextBox 8"/>
+          <p:cNvSpPr txBox="1"/>
+          <p:nvPr/>
+        </p:nvSpPr>
+        <p:spPr>
+          <a:xfrm>
+            <a:off x="9030466" y="2246794"/>
+            <a:ext cx="399468" cy="369332"/>
+          </a:xfrm>
+          <a:prstGeom prst="rect">
+            <a:avLst/>
+          </a:prstGeom>
+          <a:noFill/>
+        </p:spPr>
+        <p:txBody>
+          <a:bodyPr wrap="none" rtlCol="0">
+            <a:spAutoFit/>
+          </a:bodyPr>
+          <a:lstStyle/>
+          <a:p>
+            <a:r>
+              <a:rPr lang="en-US" dirty="0" smtClean="0"/>
+              <a:t>L1</a:t>
+            </a:r>
+            <a:endParaRPr lang="en-US" dirty="0"/>
+          </a:p>
+        </p:txBody>
+      </p:sp>
+    </p:spTree>
+    <p:extLst>
+      <p:ext uri="{BB962C8B-B14F-4D97-AF65-F5344CB8AC3E}">
+        <p14:creationId xmlns:p14="http://schemas.microsoft.com/office/powerpoint/2010/main" val="2366603262"/>
+      </p:ext>
+    </p:extLst>
+  </p:cSld>
+  <p:clrMapOvr>
+    <a:masterClrMapping/>
+  </p:clrMapOvr>
+</p:sld>
+</file>
+
 <file path=ppt/theme/theme1.xml><?xml version="1.0" encoding="utf-8"?>
 <a:theme xmlns:a="http://schemas.openxmlformats.org/drawingml/2006/main" name="Office Theme">
   <a:themeElements>

--- a/Brazil/Result/Presentation1.pptx
+++ b/Brazil/Result/Presentation1.pptx
@@ -6,9 +6,9 @@
   </p:sldMasterIdLst>
   <p:sldIdLst>
     <p:sldId id="256" r:id="rId2"/>
-    <p:sldId id="257" r:id="rId3"/>
-    <p:sldId id="258" r:id="rId4"/>
-    <p:sldId id="259" r:id="rId5"/>
+    <p:sldId id="260" r:id="rId3"/>
+    <p:sldId id="259" r:id="rId4"/>
+    <p:sldId id="257" r:id="rId5"/>
   </p:sldIdLst>
   <p:sldSz cx="12192000" cy="6858000"/>
   <p:notesSz cx="6858000" cy="9144000"/>
@@ -246,7 +246,7 @@
           <a:p>
             <a:fld id="{A307050A-0377-40F2-A8E3-1F17B3CA9F1D}" type="datetimeFigureOut">
               <a:rPr lang="en-US" smtClean="0"/>
-              <a:t>3/19/2020</a:t>
+              <a:t>3/20/2020</a:t>
             </a:fld>
             <a:endParaRPr lang="en-US"/>
           </a:p>
@@ -416,7 +416,7 @@
           <a:p>
             <a:fld id="{A307050A-0377-40F2-A8E3-1F17B3CA9F1D}" type="datetimeFigureOut">
               <a:rPr lang="en-US" smtClean="0"/>
-              <a:t>3/19/2020</a:t>
+              <a:t>3/20/2020</a:t>
             </a:fld>
             <a:endParaRPr lang="en-US"/>
           </a:p>
@@ -596,7 +596,7 @@
           <a:p>
             <a:fld id="{A307050A-0377-40F2-A8E3-1F17B3CA9F1D}" type="datetimeFigureOut">
               <a:rPr lang="en-US" smtClean="0"/>
-              <a:t>3/19/2020</a:t>
+              <a:t>3/20/2020</a:t>
             </a:fld>
             <a:endParaRPr lang="en-US"/>
           </a:p>
@@ -766,7 +766,7 @@
           <a:p>
             <a:fld id="{A307050A-0377-40F2-A8E3-1F17B3CA9F1D}" type="datetimeFigureOut">
               <a:rPr lang="en-US" smtClean="0"/>
-              <a:t>3/19/2020</a:t>
+              <a:t>3/20/2020</a:t>
             </a:fld>
             <a:endParaRPr lang="en-US"/>
           </a:p>
@@ -1012,7 +1012,7 @@
           <a:p>
             <a:fld id="{A307050A-0377-40F2-A8E3-1F17B3CA9F1D}" type="datetimeFigureOut">
               <a:rPr lang="en-US" smtClean="0"/>
-              <a:t>3/19/2020</a:t>
+              <a:t>3/20/2020</a:t>
             </a:fld>
             <a:endParaRPr lang="en-US"/>
           </a:p>
@@ -1244,7 +1244,7 @@
           <a:p>
             <a:fld id="{A307050A-0377-40F2-A8E3-1F17B3CA9F1D}" type="datetimeFigureOut">
               <a:rPr lang="en-US" smtClean="0"/>
-              <a:t>3/19/2020</a:t>
+              <a:t>3/20/2020</a:t>
             </a:fld>
             <a:endParaRPr lang="en-US"/>
           </a:p>
@@ -1611,7 +1611,7 @@
           <a:p>
             <a:fld id="{A307050A-0377-40F2-A8E3-1F17B3CA9F1D}" type="datetimeFigureOut">
               <a:rPr lang="en-US" smtClean="0"/>
-              <a:t>3/19/2020</a:t>
+              <a:t>3/20/2020</a:t>
             </a:fld>
             <a:endParaRPr lang="en-US"/>
           </a:p>
@@ -1729,7 +1729,7 @@
           <a:p>
             <a:fld id="{A307050A-0377-40F2-A8E3-1F17B3CA9F1D}" type="datetimeFigureOut">
               <a:rPr lang="en-US" smtClean="0"/>
-              <a:t>3/19/2020</a:t>
+              <a:t>3/20/2020</a:t>
             </a:fld>
             <a:endParaRPr lang="en-US"/>
           </a:p>
@@ -1824,7 +1824,7 @@
           <a:p>
             <a:fld id="{A307050A-0377-40F2-A8E3-1F17B3CA9F1D}" type="datetimeFigureOut">
               <a:rPr lang="en-US" smtClean="0"/>
-              <a:t>3/19/2020</a:t>
+              <a:t>3/20/2020</a:t>
             </a:fld>
             <a:endParaRPr lang="en-US"/>
           </a:p>
@@ -2101,7 +2101,7 @@
           <a:p>
             <a:fld id="{A307050A-0377-40F2-A8E3-1F17B3CA9F1D}" type="datetimeFigureOut">
               <a:rPr lang="en-US" smtClean="0"/>
-              <a:t>3/19/2020</a:t>
+              <a:t>3/20/2020</a:t>
             </a:fld>
             <a:endParaRPr lang="en-US"/>
           </a:p>
@@ -2354,7 +2354,7 @@
           <a:p>
             <a:fld id="{A307050A-0377-40F2-A8E3-1F17B3CA9F1D}" type="datetimeFigureOut">
               <a:rPr lang="en-US" smtClean="0"/>
-              <a:t>3/19/2020</a:t>
+              <a:t>3/20/2020</a:t>
             </a:fld>
             <a:endParaRPr lang="en-US"/>
           </a:p>
@@ -2567,7 +2567,7 @@
           <a:p>
             <a:fld id="{A307050A-0377-40F2-A8E3-1F17B3CA9F1D}" type="datetimeFigureOut">
               <a:rPr lang="en-US" smtClean="0"/>
-              <a:t>3/19/2020</a:t>
+              <a:t>3/20/2020</a:t>
             </a:fld>
             <a:endParaRPr lang="en-US"/>
           </a:p>
@@ -3055,6 +3055,326 @@
           <a:bodyPr/>
           <a:lstStyle/>
           <a:p>
+            <a:r>
+              <a:rPr lang="en-US" dirty="0" smtClean="0"/>
+              <a:t>Dropped payment</a:t>
+            </a:r>
+            <a:endParaRPr lang="en-US" dirty="0"/>
+          </a:p>
+        </p:txBody>
+      </p:sp>
+      <p:sp>
+        <p:nvSpPr>
+          <p:cNvPr id="3" name="Content Placeholder 2"/>
+          <p:cNvSpPr>
+            <a:spLocks noGrp="1"/>
+          </p:cNvSpPr>
+          <p:nvPr>
+            <p:ph idx="1"/>
+          </p:nvPr>
+        </p:nvSpPr>
+        <p:spPr/>
+        <p:txBody>
+          <a:bodyPr/>
+          <a:lstStyle/>
+          <a:p>
+            <a:endParaRPr lang="en-US"/>
+          </a:p>
+        </p:txBody>
+      </p:sp>
+      <p:pic>
+        <p:nvPicPr>
+          <p:cNvPr id="4" name="Picture 3"/>
+          <p:cNvPicPr>
+            <a:picLocks noChangeAspect="1"/>
+          </p:cNvPicPr>
+          <p:nvPr/>
+        </p:nvPicPr>
+        <p:blipFill>
+          <a:blip r:embed="rId2"/>
+          <a:stretch>
+            <a:fillRect/>
+          </a:stretch>
+        </p:blipFill>
+        <p:spPr>
+          <a:xfrm>
+            <a:off x="173900" y="2463006"/>
+            <a:ext cx="5391150" cy="3171825"/>
+          </a:xfrm>
+          <a:prstGeom prst="rect">
+            <a:avLst/>
+          </a:prstGeom>
+        </p:spPr>
+      </p:pic>
+      <p:pic>
+        <p:nvPicPr>
+          <p:cNvPr id="5" name="Picture 4"/>
+          <p:cNvPicPr>
+            <a:picLocks noChangeAspect="1"/>
+          </p:cNvPicPr>
+          <p:nvPr/>
+        </p:nvPicPr>
+        <p:blipFill>
+          <a:blip r:embed="rId3"/>
+          <a:stretch>
+            <a:fillRect/>
+          </a:stretch>
+        </p:blipFill>
+        <p:spPr>
+          <a:xfrm>
+            <a:off x="6096000" y="568891"/>
+            <a:ext cx="5410200" cy="3076575"/>
+          </a:xfrm>
+          <a:prstGeom prst="rect">
+            <a:avLst/>
+          </a:prstGeom>
+        </p:spPr>
+      </p:pic>
+      <p:pic>
+        <p:nvPicPr>
+          <p:cNvPr id="6" name="Picture 5"/>
+          <p:cNvPicPr>
+            <a:picLocks noChangeAspect="1"/>
+          </p:cNvPicPr>
+          <p:nvPr/>
+        </p:nvPicPr>
+        <p:blipFill>
+          <a:blip r:embed="rId4"/>
+          <a:stretch>
+            <a:fillRect/>
+          </a:stretch>
+        </p:blipFill>
+        <p:spPr>
+          <a:xfrm>
+            <a:off x="6229350" y="3659221"/>
+            <a:ext cx="5448300" cy="3133725"/>
+          </a:xfrm>
+          <a:prstGeom prst="rect">
+            <a:avLst/>
+          </a:prstGeom>
+        </p:spPr>
+      </p:pic>
+    </p:spTree>
+    <p:extLst>
+      <p:ext uri="{BB962C8B-B14F-4D97-AF65-F5344CB8AC3E}">
+        <p14:creationId xmlns:p14="http://schemas.microsoft.com/office/powerpoint/2010/main" val="3844633737"/>
+      </p:ext>
+    </p:extLst>
+  </p:cSld>
+  <p:clrMapOvr>
+    <a:masterClrMapping/>
+  </p:clrMapOvr>
+</p:sld>
+</file>
+
+<file path=ppt/slides/slide3.xml><?xml version="1.0" encoding="utf-8"?>
+<p:sld xmlns:a="http://schemas.openxmlformats.org/drawingml/2006/main" xmlns:r="http://schemas.openxmlformats.org/officeDocument/2006/relationships" xmlns:p="http://schemas.openxmlformats.org/presentationml/2006/main">
+  <p:cSld>
+    <p:spTree>
+      <p:nvGrpSpPr>
+        <p:cNvPr id="1" name=""/>
+        <p:cNvGrpSpPr/>
+        <p:nvPr/>
+      </p:nvGrpSpPr>
+      <p:grpSpPr>
+        <a:xfrm>
+          <a:off x="0" y="0"/>
+          <a:ext cx="0" cy="0"/>
+          <a:chOff x="0" y="0"/>
+          <a:chExt cx="0" cy="0"/>
+        </a:xfrm>
+      </p:grpSpPr>
+      <p:sp>
+        <p:nvSpPr>
+          <p:cNvPr id="2" name="Title 1"/>
+          <p:cNvSpPr>
+            <a:spLocks noGrp="1"/>
+          </p:cNvSpPr>
+          <p:nvPr>
+            <p:ph type="title"/>
+          </p:nvPr>
+        </p:nvSpPr>
+        <p:spPr/>
+        <p:txBody>
+          <a:bodyPr/>
+          <a:lstStyle/>
+          <a:p>
+            <a:endParaRPr lang="en-US"/>
+          </a:p>
+        </p:txBody>
+      </p:sp>
+      <p:sp>
+        <p:nvSpPr>
+          <p:cNvPr id="3" name="Content Placeholder 2"/>
+          <p:cNvSpPr>
+            <a:spLocks noGrp="1"/>
+          </p:cNvSpPr>
+          <p:nvPr>
+            <p:ph idx="1"/>
+          </p:nvPr>
+        </p:nvSpPr>
+        <p:spPr/>
+        <p:txBody>
+          <a:bodyPr/>
+          <a:lstStyle/>
+          <a:p>
+            <a:endParaRPr lang="en-US" dirty="0"/>
+          </a:p>
+        </p:txBody>
+      </p:sp>
+      <p:pic>
+        <p:nvPicPr>
+          <p:cNvPr id="4" name="Picture 3"/>
+          <p:cNvPicPr>
+            <a:picLocks noChangeAspect="1"/>
+          </p:cNvPicPr>
+          <p:nvPr/>
+        </p:nvPicPr>
+        <p:blipFill>
+          <a:blip r:embed="rId2"/>
+          <a:stretch>
+            <a:fillRect/>
+          </a:stretch>
+        </p:blipFill>
+        <p:spPr>
+          <a:xfrm>
+            <a:off x="6421483" y="2995612"/>
+            <a:ext cx="5410200" cy="3152775"/>
+          </a:xfrm>
+          <a:prstGeom prst="rect">
+            <a:avLst/>
+          </a:prstGeom>
+        </p:spPr>
+      </p:pic>
+      <p:pic>
+        <p:nvPicPr>
+          <p:cNvPr id="5" name="Picture 4"/>
+          <p:cNvPicPr>
+            <a:picLocks noChangeAspect="1"/>
+          </p:cNvPicPr>
+          <p:nvPr/>
+        </p:nvPicPr>
+        <p:blipFill>
+          <a:blip r:embed="rId3"/>
+          <a:stretch>
+            <a:fillRect/>
+          </a:stretch>
+        </p:blipFill>
+        <p:spPr>
+          <a:xfrm>
+            <a:off x="838200" y="2967038"/>
+            <a:ext cx="5410200" cy="3209925"/>
+          </a:xfrm>
+          <a:prstGeom prst="rect">
+            <a:avLst/>
+          </a:prstGeom>
+        </p:spPr>
+      </p:pic>
+      <p:sp>
+        <p:nvSpPr>
+          <p:cNvPr id="6" name="TextBox 5"/>
+          <p:cNvSpPr txBox="1"/>
+          <p:nvPr/>
+        </p:nvSpPr>
+        <p:spPr>
+          <a:xfrm>
+            <a:off x="3543300" y="2345572"/>
+            <a:ext cx="479618" cy="369332"/>
+          </a:xfrm>
+          <a:prstGeom prst="rect">
+            <a:avLst/>
+          </a:prstGeom>
+          <a:noFill/>
+        </p:spPr>
+        <p:txBody>
+          <a:bodyPr wrap="none" rtlCol="0">
+            <a:spAutoFit/>
+          </a:bodyPr>
+          <a:lstStyle/>
+          <a:p>
+            <a:r>
+              <a:rPr lang="en-US" dirty="0" smtClean="0"/>
+              <a:t>VIF</a:t>
+            </a:r>
+            <a:endParaRPr lang="en-US" dirty="0"/>
+          </a:p>
+        </p:txBody>
+      </p:sp>
+      <p:sp>
+        <p:nvSpPr>
+          <p:cNvPr id="9" name="TextBox 8"/>
+          <p:cNvSpPr txBox="1"/>
+          <p:nvPr/>
+        </p:nvSpPr>
+        <p:spPr>
+          <a:xfrm>
+            <a:off x="9030466" y="2246794"/>
+            <a:ext cx="399468" cy="369332"/>
+          </a:xfrm>
+          <a:prstGeom prst="rect">
+            <a:avLst/>
+          </a:prstGeom>
+          <a:noFill/>
+        </p:spPr>
+        <p:txBody>
+          <a:bodyPr wrap="none" rtlCol="0">
+            <a:spAutoFit/>
+          </a:bodyPr>
+          <a:lstStyle/>
+          <a:p>
+            <a:r>
+              <a:rPr lang="en-US" dirty="0" smtClean="0"/>
+              <a:t>L1</a:t>
+            </a:r>
+            <a:endParaRPr lang="en-US" dirty="0"/>
+          </a:p>
+        </p:txBody>
+      </p:sp>
+    </p:spTree>
+    <p:extLst>
+      <p:ext uri="{BB962C8B-B14F-4D97-AF65-F5344CB8AC3E}">
+        <p14:creationId xmlns:p14="http://schemas.microsoft.com/office/powerpoint/2010/main" val="2366603262"/>
+      </p:ext>
+    </p:extLst>
+  </p:cSld>
+  <p:clrMapOvr>
+    <a:masterClrMapping/>
+  </p:clrMapOvr>
+</p:sld>
+</file>
+
+<file path=ppt/slides/slide4.xml><?xml version="1.0" encoding="utf-8"?>
+<p:sld xmlns:a="http://schemas.openxmlformats.org/drawingml/2006/main" xmlns:r="http://schemas.openxmlformats.org/officeDocument/2006/relationships" xmlns:p="http://schemas.openxmlformats.org/presentationml/2006/main">
+  <p:cSld>
+    <p:spTree>
+      <p:nvGrpSpPr>
+        <p:cNvPr id="1" name=""/>
+        <p:cNvGrpSpPr/>
+        <p:nvPr/>
+      </p:nvGrpSpPr>
+      <p:grpSpPr>
+        <a:xfrm>
+          <a:off x="0" y="0"/>
+          <a:ext cx="0" cy="0"/>
+          <a:chOff x="0" y="0"/>
+          <a:chExt cx="0" cy="0"/>
+        </a:xfrm>
+      </p:grpSpPr>
+      <p:sp>
+        <p:nvSpPr>
+          <p:cNvPr id="2" name="Title 1"/>
+          <p:cNvSpPr>
+            <a:spLocks noGrp="1"/>
+          </p:cNvSpPr>
+          <p:nvPr>
+            <p:ph type="title"/>
+          </p:nvPr>
+        </p:nvSpPr>
+        <p:spPr/>
+        <p:txBody>
+          <a:bodyPr/>
+          <a:lstStyle/>
+          <a:p>
             <a:endParaRPr lang="en-US"/>
           </a:p>
         </p:txBody>
@@ -3208,274 +3528,6 @@
     <p:extLst>
       <p:ext uri="{BB962C8B-B14F-4D97-AF65-F5344CB8AC3E}">
         <p14:creationId xmlns:p14="http://schemas.microsoft.com/office/powerpoint/2010/main" val="804152680"/>
-      </p:ext>
-    </p:extLst>
-  </p:cSld>
-  <p:clrMapOvr>
-    <a:masterClrMapping/>
-  </p:clrMapOvr>
-</p:sld>
-</file>
-
-<file path=ppt/slides/slide3.xml><?xml version="1.0" encoding="utf-8"?>
-<p:sld xmlns:a="http://schemas.openxmlformats.org/drawingml/2006/main" xmlns:r="http://schemas.openxmlformats.org/officeDocument/2006/relationships" xmlns:p="http://schemas.openxmlformats.org/presentationml/2006/main">
-  <p:cSld>
-    <p:spTree>
-      <p:nvGrpSpPr>
-        <p:cNvPr id="1" name=""/>
-        <p:cNvGrpSpPr/>
-        <p:nvPr/>
-      </p:nvGrpSpPr>
-      <p:grpSpPr>
-        <a:xfrm>
-          <a:off x="0" y="0"/>
-          <a:ext cx="0" cy="0"/>
-          <a:chOff x="0" y="0"/>
-          <a:chExt cx="0" cy="0"/>
-        </a:xfrm>
-      </p:grpSpPr>
-      <p:sp>
-        <p:nvSpPr>
-          <p:cNvPr id="2" name="Title 1"/>
-          <p:cNvSpPr>
-            <a:spLocks noGrp="1"/>
-          </p:cNvSpPr>
-          <p:nvPr>
-            <p:ph type="title"/>
-          </p:nvPr>
-        </p:nvSpPr>
-        <p:spPr/>
-        <p:txBody>
-          <a:bodyPr/>
-          <a:lstStyle/>
-          <a:p>
-            <a:endParaRPr lang="en-US"/>
-          </a:p>
-        </p:txBody>
-      </p:sp>
-      <p:sp>
-        <p:nvSpPr>
-          <p:cNvPr id="3" name="Content Placeholder 2"/>
-          <p:cNvSpPr>
-            <a:spLocks noGrp="1"/>
-          </p:cNvSpPr>
-          <p:nvPr>
-            <p:ph idx="1"/>
-          </p:nvPr>
-        </p:nvSpPr>
-        <p:spPr/>
-        <p:txBody>
-          <a:bodyPr/>
-          <a:lstStyle/>
-          <a:p>
-            <a:endParaRPr lang="en-US"/>
-          </a:p>
-        </p:txBody>
-      </p:sp>
-      <p:pic>
-        <p:nvPicPr>
-          <p:cNvPr id="4" name="Picture 3"/>
-          <p:cNvPicPr>
-            <a:picLocks noChangeAspect="1"/>
-          </p:cNvPicPr>
-          <p:nvPr/>
-        </p:nvPicPr>
-        <p:blipFill>
-          <a:blip r:embed="rId2"/>
-          <a:stretch>
-            <a:fillRect/>
-          </a:stretch>
-        </p:blipFill>
-        <p:spPr>
-          <a:xfrm>
-            <a:off x="1669869" y="2630941"/>
-            <a:ext cx="5334000" cy="3076575"/>
-          </a:xfrm>
-          <a:prstGeom prst="rect">
-            <a:avLst/>
-          </a:prstGeom>
-        </p:spPr>
-      </p:pic>
-    </p:spTree>
-    <p:extLst>
-      <p:ext uri="{BB962C8B-B14F-4D97-AF65-F5344CB8AC3E}">
-        <p14:creationId xmlns:p14="http://schemas.microsoft.com/office/powerpoint/2010/main" val="3723759439"/>
-      </p:ext>
-    </p:extLst>
-  </p:cSld>
-  <p:clrMapOvr>
-    <a:masterClrMapping/>
-  </p:clrMapOvr>
-</p:sld>
-</file>
-
-<file path=ppt/slides/slide4.xml><?xml version="1.0" encoding="utf-8"?>
-<p:sld xmlns:a="http://schemas.openxmlformats.org/drawingml/2006/main" xmlns:r="http://schemas.openxmlformats.org/officeDocument/2006/relationships" xmlns:p="http://schemas.openxmlformats.org/presentationml/2006/main">
-  <p:cSld>
-    <p:spTree>
-      <p:nvGrpSpPr>
-        <p:cNvPr id="1" name=""/>
-        <p:cNvGrpSpPr/>
-        <p:nvPr/>
-      </p:nvGrpSpPr>
-      <p:grpSpPr>
-        <a:xfrm>
-          <a:off x="0" y="0"/>
-          <a:ext cx="0" cy="0"/>
-          <a:chOff x="0" y="0"/>
-          <a:chExt cx="0" cy="0"/>
-        </a:xfrm>
-      </p:grpSpPr>
-      <p:sp>
-        <p:nvSpPr>
-          <p:cNvPr id="2" name="Title 1"/>
-          <p:cNvSpPr>
-            <a:spLocks noGrp="1"/>
-          </p:cNvSpPr>
-          <p:nvPr>
-            <p:ph type="title"/>
-          </p:nvPr>
-        </p:nvSpPr>
-        <p:spPr/>
-        <p:txBody>
-          <a:bodyPr/>
-          <a:lstStyle/>
-          <a:p>
-            <a:endParaRPr lang="en-US"/>
-          </a:p>
-        </p:txBody>
-      </p:sp>
-      <p:sp>
-        <p:nvSpPr>
-          <p:cNvPr id="3" name="Content Placeholder 2"/>
-          <p:cNvSpPr>
-            <a:spLocks noGrp="1"/>
-          </p:cNvSpPr>
-          <p:nvPr>
-            <p:ph idx="1"/>
-          </p:nvPr>
-        </p:nvSpPr>
-        <p:spPr/>
-        <p:txBody>
-          <a:bodyPr/>
-          <a:lstStyle/>
-          <a:p>
-            <a:endParaRPr lang="en-US" dirty="0"/>
-          </a:p>
-        </p:txBody>
-      </p:sp>
-      <p:pic>
-        <p:nvPicPr>
-          <p:cNvPr id="4" name="Picture 3"/>
-          <p:cNvPicPr>
-            <a:picLocks noChangeAspect="1"/>
-          </p:cNvPicPr>
-          <p:nvPr/>
-        </p:nvPicPr>
-        <p:blipFill>
-          <a:blip r:embed="rId2"/>
-          <a:stretch>
-            <a:fillRect/>
-          </a:stretch>
-        </p:blipFill>
-        <p:spPr>
-          <a:xfrm>
-            <a:off x="6421483" y="2995612"/>
-            <a:ext cx="5410200" cy="3152775"/>
-          </a:xfrm>
-          <a:prstGeom prst="rect">
-            <a:avLst/>
-          </a:prstGeom>
-        </p:spPr>
-      </p:pic>
-      <p:pic>
-        <p:nvPicPr>
-          <p:cNvPr id="5" name="Picture 4"/>
-          <p:cNvPicPr>
-            <a:picLocks noChangeAspect="1"/>
-          </p:cNvPicPr>
-          <p:nvPr/>
-        </p:nvPicPr>
-        <p:blipFill>
-          <a:blip r:embed="rId3"/>
-          <a:stretch>
-            <a:fillRect/>
-          </a:stretch>
-        </p:blipFill>
-        <p:spPr>
-          <a:xfrm>
-            <a:off x="838200" y="2967038"/>
-            <a:ext cx="5410200" cy="3209925"/>
-          </a:xfrm>
-          <a:prstGeom prst="rect">
-            <a:avLst/>
-          </a:prstGeom>
-        </p:spPr>
-      </p:pic>
-      <p:sp>
-        <p:nvSpPr>
-          <p:cNvPr id="6" name="TextBox 5"/>
-          <p:cNvSpPr txBox="1"/>
-          <p:nvPr/>
-        </p:nvSpPr>
-        <p:spPr>
-          <a:xfrm>
-            <a:off x="3543300" y="2345572"/>
-            <a:ext cx="479618" cy="369332"/>
-          </a:xfrm>
-          <a:prstGeom prst="rect">
-            <a:avLst/>
-          </a:prstGeom>
-          <a:noFill/>
-        </p:spPr>
-        <p:txBody>
-          <a:bodyPr wrap="none" rtlCol="0">
-            <a:spAutoFit/>
-          </a:bodyPr>
-          <a:lstStyle/>
-          <a:p>
-            <a:r>
-              <a:rPr lang="en-US" dirty="0" smtClean="0"/>
-              <a:t>VIF</a:t>
-            </a:r>
-            <a:endParaRPr lang="en-US" dirty="0"/>
-          </a:p>
-        </p:txBody>
-      </p:sp>
-      <p:sp>
-        <p:nvSpPr>
-          <p:cNvPr id="9" name="TextBox 8"/>
-          <p:cNvSpPr txBox="1"/>
-          <p:nvPr/>
-        </p:nvSpPr>
-        <p:spPr>
-          <a:xfrm>
-            <a:off x="9030466" y="2246794"/>
-            <a:ext cx="399468" cy="369332"/>
-          </a:xfrm>
-          <a:prstGeom prst="rect">
-            <a:avLst/>
-          </a:prstGeom>
-          <a:noFill/>
-        </p:spPr>
-        <p:txBody>
-          <a:bodyPr wrap="none" rtlCol="0">
-            <a:spAutoFit/>
-          </a:bodyPr>
-          <a:lstStyle/>
-          <a:p>
-            <a:r>
-              <a:rPr lang="en-US" dirty="0" smtClean="0"/>
-              <a:t>L1</a:t>
-            </a:r>
-            <a:endParaRPr lang="en-US" dirty="0"/>
-          </a:p>
-        </p:txBody>
-      </p:sp>
-    </p:spTree>
-    <p:extLst>
-      <p:ext uri="{BB962C8B-B14F-4D97-AF65-F5344CB8AC3E}">
-        <p14:creationId xmlns:p14="http://schemas.microsoft.com/office/powerpoint/2010/main" val="2366603262"/>
       </p:ext>
     </p:extLst>
   </p:cSld>

--- a/Brazil/Result/Presentation1.pptx
+++ b/Brazil/Result/Presentation1.pptx
@@ -6,9 +6,10 @@
   </p:sldMasterIdLst>
   <p:sldIdLst>
     <p:sldId id="256" r:id="rId2"/>
-    <p:sldId id="260" r:id="rId3"/>
-    <p:sldId id="259" r:id="rId4"/>
-    <p:sldId id="257" r:id="rId5"/>
+    <p:sldId id="261" r:id="rId3"/>
+    <p:sldId id="260" r:id="rId4"/>
+    <p:sldId id="259" r:id="rId5"/>
+    <p:sldId id="257" r:id="rId6"/>
   </p:sldIdLst>
   <p:sldSz cx="12192000" cy="6858000"/>
   <p:notesSz cx="6858000" cy="9144000"/>
@@ -3055,6 +3056,170 @@
           <a:bodyPr/>
           <a:lstStyle/>
           <a:p>
+            <a:endParaRPr lang="en-US"/>
+          </a:p>
+        </p:txBody>
+      </p:sp>
+      <p:sp>
+        <p:nvSpPr>
+          <p:cNvPr id="3" name="Content Placeholder 2"/>
+          <p:cNvSpPr>
+            <a:spLocks noGrp="1"/>
+          </p:cNvSpPr>
+          <p:nvPr>
+            <p:ph idx="1"/>
+          </p:nvPr>
+        </p:nvSpPr>
+        <p:spPr/>
+        <p:txBody>
+          <a:bodyPr/>
+          <a:lstStyle/>
+          <a:p>
+            <a:endParaRPr lang="en-US"/>
+          </a:p>
+        </p:txBody>
+      </p:sp>
+      <p:pic>
+        <p:nvPicPr>
+          <p:cNvPr id="4" name="Picture 3"/>
+          <p:cNvPicPr>
+            <a:picLocks noChangeAspect="1"/>
+          </p:cNvPicPr>
+          <p:nvPr/>
+        </p:nvPicPr>
+        <p:blipFill>
+          <a:blip r:embed="rId2"/>
+          <a:stretch>
+            <a:fillRect/>
+          </a:stretch>
+        </p:blipFill>
+        <p:spPr>
+          <a:xfrm>
+            <a:off x="6457950" y="505619"/>
+            <a:ext cx="4895850" cy="3114675"/>
+          </a:xfrm>
+          <a:prstGeom prst="rect">
+            <a:avLst/>
+          </a:prstGeom>
+        </p:spPr>
+      </p:pic>
+      <p:pic>
+        <p:nvPicPr>
+          <p:cNvPr id="5" name="Picture 4"/>
+          <p:cNvPicPr>
+            <a:picLocks noChangeAspect="1"/>
+          </p:cNvPicPr>
+          <p:nvPr/>
+        </p:nvPicPr>
+        <p:blipFill>
+          <a:blip r:embed="rId3"/>
+          <a:stretch>
+            <a:fillRect/>
+          </a:stretch>
+        </p:blipFill>
+        <p:spPr>
+          <a:xfrm>
+            <a:off x="1016454" y="129382"/>
+            <a:ext cx="4933950" cy="3257550"/>
+          </a:xfrm>
+          <a:prstGeom prst="rect">
+            <a:avLst/>
+          </a:prstGeom>
+        </p:spPr>
+      </p:pic>
+      <p:pic>
+        <p:nvPicPr>
+          <p:cNvPr id="6" name="Picture 5"/>
+          <p:cNvPicPr>
+            <a:picLocks noChangeAspect="1"/>
+          </p:cNvPicPr>
+          <p:nvPr/>
+        </p:nvPicPr>
+        <p:blipFill>
+          <a:blip r:embed="rId4"/>
+          <a:stretch>
+            <a:fillRect/>
+          </a:stretch>
+        </p:blipFill>
+        <p:spPr>
+          <a:xfrm>
+            <a:off x="7346496" y="3620294"/>
+            <a:ext cx="4514850" cy="2990850"/>
+          </a:xfrm>
+          <a:prstGeom prst="rect">
+            <a:avLst/>
+          </a:prstGeom>
+        </p:spPr>
+      </p:pic>
+      <p:pic>
+        <p:nvPicPr>
+          <p:cNvPr id="7" name="Picture 6"/>
+          <p:cNvPicPr>
+            <a:picLocks noChangeAspect="1"/>
+          </p:cNvPicPr>
+          <p:nvPr/>
+        </p:nvPicPr>
+        <p:blipFill>
+          <a:blip r:embed="rId5"/>
+          <a:stretch>
+            <a:fillRect/>
+          </a:stretch>
+        </p:blipFill>
+        <p:spPr>
+          <a:xfrm>
+            <a:off x="1838325" y="3521869"/>
+            <a:ext cx="4619625" cy="3105150"/>
+          </a:xfrm>
+          <a:prstGeom prst="rect">
+            <a:avLst/>
+          </a:prstGeom>
+        </p:spPr>
+      </p:pic>
+    </p:spTree>
+    <p:extLst>
+      <p:ext uri="{BB962C8B-B14F-4D97-AF65-F5344CB8AC3E}">
+        <p14:creationId xmlns:p14="http://schemas.microsoft.com/office/powerpoint/2010/main" val="2624373340"/>
+      </p:ext>
+    </p:extLst>
+  </p:cSld>
+  <p:clrMapOvr>
+    <a:masterClrMapping/>
+  </p:clrMapOvr>
+</p:sld>
+</file>
+
+<file path=ppt/slides/slide3.xml><?xml version="1.0" encoding="utf-8"?>
+<p:sld xmlns:a="http://schemas.openxmlformats.org/drawingml/2006/main" xmlns:r="http://schemas.openxmlformats.org/officeDocument/2006/relationships" xmlns:p="http://schemas.openxmlformats.org/presentationml/2006/main">
+  <p:cSld>
+    <p:spTree>
+      <p:nvGrpSpPr>
+        <p:cNvPr id="1" name=""/>
+        <p:cNvGrpSpPr/>
+        <p:nvPr/>
+      </p:nvGrpSpPr>
+      <p:grpSpPr>
+        <a:xfrm>
+          <a:off x="0" y="0"/>
+          <a:ext cx="0" cy="0"/>
+          <a:chOff x="0" y="0"/>
+          <a:chExt cx="0" cy="0"/>
+        </a:xfrm>
+      </p:grpSpPr>
+      <p:sp>
+        <p:nvSpPr>
+          <p:cNvPr id="2" name="Title 1"/>
+          <p:cNvSpPr>
+            <a:spLocks noGrp="1"/>
+          </p:cNvSpPr>
+          <p:nvPr>
+            <p:ph type="title"/>
+          </p:nvPr>
+        </p:nvSpPr>
+        <p:spPr/>
+        <p:txBody>
+          <a:bodyPr/>
+          <a:lstStyle/>
+          <a:p>
             <a:r>
               <a:rPr lang="en-US" dirty="0" smtClean="0"/>
               <a:t>Dropped payment</a:t>
@@ -3167,7 +3332,7 @@
 </p:sld>
 </file>
 
-<file path=ppt/slides/slide3.xml><?xml version="1.0" encoding="utf-8"?>
+<file path=ppt/slides/slide4.xml><?xml version="1.0" encoding="utf-8"?>
 <p:sld xmlns:a="http://schemas.openxmlformats.org/drawingml/2006/main" xmlns:r="http://schemas.openxmlformats.org/officeDocument/2006/relationships" xmlns:p="http://schemas.openxmlformats.org/presentationml/2006/main">
   <p:cSld>
     <p:spTree>
@@ -3343,7 +3508,7 @@
 </p:sld>
 </file>
 
-<file path=ppt/slides/slide4.xml><?xml version="1.0" encoding="utf-8"?>
+<file path=ppt/slides/slide5.xml><?xml version="1.0" encoding="utf-8"?>
 <p:sld xmlns:a="http://schemas.openxmlformats.org/drawingml/2006/main" xmlns:r="http://schemas.openxmlformats.org/officeDocument/2006/relationships" xmlns:p="http://schemas.openxmlformats.org/presentationml/2006/main">
   <p:cSld>
     <p:spTree>
